--- a/gpu/EE817 Lecture 4 CUDA execution model II.pptx
+++ b/gpu/EE817 Lecture 4 CUDA execution model II.pptx
@@ -289,7 +289,7 @@
           <a:p>
             <a:fld id="{0958D145-3F61-4970-8B92-DDA610F3EB4F}" type="datetimeFigureOut">
               <a:rPr lang="ko-KR" altLang="en-US" smtClean="0"/>
-              <a:t>2017-03-14</a:t>
+              <a:t>2017-03-22</a:t>
             </a:fld>
             <a:endParaRPr lang="ko-KR" altLang="en-US"/>
           </a:p>
@@ -484,7 +484,7 @@
               <a:pPr>
                 <a:defRPr/>
               </a:pPr>
-              <a:t>2017-03-14</a:t>
+              <a:t>2017-03-22</a:t>
             </a:fld>
             <a:endParaRPr lang="ko-KR" altLang="en-US"/>
           </a:p>
@@ -1256,7 +1256,7 @@
               <a:pPr>
                 <a:defRPr/>
               </a:pPr>
-              <a:t>3/14/2017</a:t>
+              <a:t>3/22/2017</a:t>
             </a:fld>
             <a:endParaRPr lang="en-US" altLang="ko-KR"/>
           </a:p>
@@ -1458,7 +1458,7 @@
               <a:pPr>
                 <a:defRPr/>
               </a:pPr>
-              <a:t>3/14/2017</a:t>
+              <a:t>3/22/2017</a:t>
             </a:fld>
             <a:endParaRPr lang="en-US" altLang="ko-KR"/>
           </a:p>
@@ -1891,7 +1891,7 @@
               <a:pPr>
                 <a:defRPr/>
               </a:pPr>
-              <a:t>3/14/2017</a:t>
+              <a:t>3/22/2017</a:t>
             </a:fld>
             <a:endParaRPr lang="en-US" altLang="ko-KR"/>
           </a:p>
@@ -2088,7 +2088,7 @@
               <a:pPr>
                 <a:defRPr/>
               </a:pPr>
-              <a:t>3/14/2017</a:t>
+              <a:t>3/22/2017</a:t>
             </a:fld>
             <a:endParaRPr lang="en-US" altLang="ko-KR"/>
           </a:p>
@@ -2603,7 +2603,7 @@
               <a:pPr>
                 <a:defRPr/>
               </a:pPr>
-              <a:t>3/14/2017</a:t>
+              <a:t>3/22/2017</a:t>
             </a:fld>
             <a:endParaRPr lang="en-US" altLang="ko-KR"/>
           </a:p>
@@ -2918,7 +2918,7 @@
               <a:pPr>
                 <a:defRPr/>
               </a:pPr>
-              <a:t>3/14/2017</a:t>
+              <a:t>3/22/2017</a:t>
             </a:fld>
             <a:endParaRPr lang="en-US" altLang="ko-KR"/>
           </a:p>
@@ -3421,7 +3421,7 @@
               <a:pPr>
                 <a:defRPr/>
               </a:pPr>
-              <a:t>3/14/2017</a:t>
+              <a:t>3/22/2017</a:t>
             </a:fld>
             <a:endParaRPr lang="en-US" altLang="ko-KR"/>
           </a:p>
@@ -3809,7 +3809,7 @@
               <a:pPr>
                 <a:defRPr/>
               </a:pPr>
-              <a:t>3/14/2017</a:t>
+              <a:t>3/22/2017</a:t>
             </a:fld>
             <a:endParaRPr lang="en-US" altLang="ko-KR"/>
           </a:p>
@@ -4267,7 +4267,7 @@
               <a:pPr>
                 <a:defRPr/>
               </a:pPr>
-              <a:t>3/14/2017</a:t>
+              <a:t>3/22/2017</a:t>
             </a:fld>
             <a:endParaRPr lang="en-US" altLang="ko-KR"/>
           </a:p>
@@ -4565,7 +4565,7 @@
               <a:pPr>
                 <a:defRPr/>
               </a:pPr>
-              <a:t>3/14/2017</a:t>
+              <a:t>3/22/2017</a:t>
             </a:fld>
             <a:endParaRPr lang="en-US" altLang="ko-KR"/>
           </a:p>
@@ -4895,7 +4895,7 @@
               <a:pPr>
                 <a:defRPr/>
               </a:pPr>
-              <a:t>3/14/2017</a:t>
+              <a:t>3/22/2017</a:t>
             </a:fld>
             <a:endParaRPr lang="en-US" altLang="ko-KR"/>
           </a:p>
@@ -5413,7 +5413,7 @@
               <a:pPr>
                 <a:defRPr/>
               </a:pPr>
-              <a:t>3/14/2017</a:t>
+              <a:t>3/22/2017</a:t>
             </a:fld>
             <a:endParaRPr lang="en-US" altLang="ko-KR"/>
           </a:p>
